--- a/Aero_Simulation/דיאגרמת בלוקים - PID.pptx
+++ b/Aero_Simulation/דיאגרמת בלוקים - PID.pptx
@@ -104,6 +104,11 @@
       </a:defRPr>
     </a:lvl9pPr>
   </p:defaultTextStyle>
+  <p:extLst>
+    <p:ext uri="{EFAFB233-063F-42B5-8137-9DF3F51BA10A}">
+      <p15:sldGuideLst xmlns:p15="http://schemas.microsoft.com/office/powerpoint/2012/main"/>
+    </p:ext>
+  </p:extLst>
 </p:presentation>
 </file>
 
@@ -283,7 +288,7 @@
           <a:p>
             <a:fld id="{2D6F3579-45B3-48E0-8283-AF46247B8387}" type="datetimeFigureOut">
               <a:rPr lang="en-US" smtClean="0"/>
-              <a:t>2/4/2024</a:t>
+              <a:t>2/17/2024</a:t>
             </a:fld>
             <a:endParaRPr lang="en-US"/>
           </a:p>
@@ -481,7 +486,7 @@
           <a:p>
             <a:fld id="{2D6F3579-45B3-48E0-8283-AF46247B8387}" type="datetimeFigureOut">
               <a:rPr lang="en-US" smtClean="0"/>
-              <a:t>2/4/2024</a:t>
+              <a:t>2/17/2024</a:t>
             </a:fld>
             <a:endParaRPr lang="en-US"/>
           </a:p>
@@ -689,7 +694,7 @@
           <a:p>
             <a:fld id="{2D6F3579-45B3-48E0-8283-AF46247B8387}" type="datetimeFigureOut">
               <a:rPr lang="en-US" smtClean="0"/>
-              <a:t>2/4/2024</a:t>
+              <a:t>2/17/2024</a:t>
             </a:fld>
             <a:endParaRPr lang="en-US"/>
           </a:p>
@@ -887,7 +892,7 @@
           <a:p>
             <a:fld id="{2D6F3579-45B3-48E0-8283-AF46247B8387}" type="datetimeFigureOut">
               <a:rPr lang="en-US" smtClean="0"/>
-              <a:t>2/4/2024</a:t>
+              <a:t>2/17/2024</a:t>
             </a:fld>
             <a:endParaRPr lang="en-US"/>
           </a:p>
@@ -1162,7 +1167,7 @@
           <a:p>
             <a:fld id="{2D6F3579-45B3-48E0-8283-AF46247B8387}" type="datetimeFigureOut">
               <a:rPr lang="en-US" smtClean="0"/>
-              <a:t>2/4/2024</a:t>
+              <a:t>2/17/2024</a:t>
             </a:fld>
             <a:endParaRPr lang="en-US"/>
           </a:p>
@@ -1427,7 +1432,7 @@
           <a:p>
             <a:fld id="{2D6F3579-45B3-48E0-8283-AF46247B8387}" type="datetimeFigureOut">
               <a:rPr lang="en-US" smtClean="0"/>
-              <a:t>2/4/2024</a:t>
+              <a:t>2/17/2024</a:t>
             </a:fld>
             <a:endParaRPr lang="en-US"/>
           </a:p>
@@ -1839,7 +1844,7 @@
           <a:p>
             <a:fld id="{2D6F3579-45B3-48E0-8283-AF46247B8387}" type="datetimeFigureOut">
               <a:rPr lang="en-US" smtClean="0"/>
-              <a:t>2/4/2024</a:t>
+              <a:t>2/17/2024</a:t>
             </a:fld>
             <a:endParaRPr lang="en-US"/>
           </a:p>
@@ -1980,7 +1985,7 @@
           <a:p>
             <a:fld id="{2D6F3579-45B3-48E0-8283-AF46247B8387}" type="datetimeFigureOut">
               <a:rPr lang="en-US" smtClean="0"/>
-              <a:t>2/4/2024</a:t>
+              <a:t>2/17/2024</a:t>
             </a:fld>
             <a:endParaRPr lang="en-US"/>
           </a:p>
@@ -2093,7 +2098,7 @@
           <a:p>
             <a:fld id="{2D6F3579-45B3-48E0-8283-AF46247B8387}" type="datetimeFigureOut">
               <a:rPr lang="en-US" smtClean="0"/>
-              <a:t>2/4/2024</a:t>
+              <a:t>2/17/2024</a:t>
             </a:fld>
             <a:endParaRPr lang="en-US"/>
           </a:p>
@@ -2404,7 +2409,7 @@
           <a:p>
             <a:fld id="{2D6F3579-45B3-48E0-8283-AF46247B8387}" type="datetimeFigureOut">
               <a:rPr lang="en-US" smtClean="0"/>
-              <a:t>2/4/2024</a:t>
+              <a:t>2/17/2024</a:t>
             </a:fld>
             <a:endParaRPr lang="en-US"/>
           </a:p>
@@ -2692,7 +2697,7 @@
           <a:p>
             <a:fld id="{2D6F3579-45B3-48E0-8283-AF46247B8387}" type="datetimeFigureOut">
               <a:rPr lang="en-US" smtClean="0"/>
-              <a:t>2/4/2024</a:t>
+              <a:t>2/17/2024</a:t>
             </a:fld>
             <a:endParaRPr lang="en-US"/>
           </a:p>
@@ -2933,7 +2938,7 @@
           <a:p>
             <a:fld id="{2D6F3579-45B3-48E0-8283-AF46247B8387}" type="datetimeFigureOut">
               <a:rPr lang="en-US" smtClean="0"/>
-              <a:t>2/4/2024</a:t>
+              <a:t>2/17/2024</a:t>
             </a:fld>
             <a:endParaRPr lang="en-US"/>
           </a:p>
@@ -3692,8 +3697,8 @@
             </a:fontRef>
           </p:style>
         </p:cxnSp>
-        <mc:AlternateContent xmlns:mc="http://schemas.openxmlformats.org/markup-compatibility/2006">
-          <mc:Choice xmlns:a14="http://schemas.microsoft.com/office/drawing/2010/main" Requires="a14">
+        <mc:AlternateContent xmlns:mc="http://schemas.openxmlformats.org/markup-compatibility/2006" xmlns:a14="http://schemas.microsoft.com/office/drawing/2010/main">
+          <mc:Choice Requires="a14">
             <p:sp>
               <p:nvSpPr>
                 <p:cNvPr id="68" name="TextBox 67">
@@ -3722,6 +3727,7 @@
                 </a:bodyPr>
                 <a:lstStyle/>
                 <a:p>
+                  <a:pPr/>
                   <a14:m>
                     <m:oMathPara xmlns:m="http://schemas.openxmlformats.org/officeDocument/2006/math">
                       <m:oMathParaPr>
@@ -3761,7 +3767,7 @@
               </p:txBody>
             </p:sp>
           </mc:Choice>
-          <mc:Fallback>
+          <mc:Fallback xmlns="">
             <p:sp>
               <p:nvSpPr>
                 <p:cNvPr id="68" name="TextBox 67">
@@ -3806,8 +3812,8 @@
             </p:sp>
           </mc:Fallback>
         </mc:AlternateContent>
-        <mc:AlternateContent xmlns:mc="http://schemas.openxmlformats.org/markup-compatibility/2006">
-          <mc:Choice xmlns:a14="http://schemas.microsoft.com/office/drawing/2010/main" Requires="a14">
+        <mc:AlternateContent xmlns:mc="http://schemas.openxmlformats.org/markup-compatibility/2006" xmlns:a14="http://schemas.microsoft.com/office/drawing/2010/main">
+          <mc:Choice Requires="a14">
             <p:sp>
               <p:nvSpPr>
                 <p:cNvPr id="69" name="TextBox 68">
@@ -3836,6 +3842,7 @@
                 </a:bodyPr>
                 <a:lstStyle/>
                 <a:p>
+                  <a:pPr/>
                   <a14:m>
                     <m:oMathPara xmlns:m="http://schemas.openxmlformats.org/officeDocument/2006/math">
                       <m:oMathParaPr>
@@ -3875,7 +3882,7 @@
               </p:txBody>
             </p:sp>
           </mc:Choice>
-          <mc:Fallback>
+          <mc:Fallback xmlns="">
             <p:sp>
               <p:nvSpPr>
                 <p:cNvPr id="69" name="TextBox 68">
@@ -3920,8 +3927,8 @@
             </p:sp>
           </mc:Fallback>
         </mc:AlternateContent>
-        <mc:AlternateContent xmlns:mc="http://schemas.openxmlformats.org/markup-compatibility/2006">
-          <mc:Choice xmlns:a14="http://schemas.microsoft.com/office/drawing/2010/main" Requires="a14">
+        <mc:AlternateContent xmlns:mc="http://schemas.openxmlformats.org/markup-compatibility/2006" xmlns:a14="http://schemas.microsoft.com/office/drawing/2010/main">
+          <mc:Choice Requires="a14">
             <p:sp>
               <p:nvSpPr>
                 <p:cNvPr id="70" name="TextBox 69">
@@ -3950,6 +3957,7 @@
                 </a:bodyPr>
                 <a:lstStyle/>
                 <a:p>
+                  <a:pPr/>
                   <a14:m>
                     <m:oMathPara xmlns:m="http://schemas.openxmlformats.org/officeDocument/2006/math">
                       <m:oMathParaPr>
@@ -3989,7 +3997,7 @@
               </p:txBody>
             </p:sp>
           </mc:Choice>
-          <mc:Fallback>
+          <mc:Fallback xmlns="">
             <p:sp>
               <p:nvSpPr>
                 <p:cNvPr id="70" name="TextBox 69">
@@ -5043,8 +5051,8 @@
           </p:cxnSp>
         </p:grpSp>
       </p:grpSp>
-      <mc:AlternateContent xmlns:mc="http://schemas.openxmlformats.org/markup-compatibility/2006">
-        <mc:Choice xmlns:a14="http://schemas.microsoft.com/office/drawing/2010/main" Requires="a14">
+      <mc:AlternateContent xmlns:mc="http://schemas.openxmlformats.org/markup-compatibility/2006" xmlns:a14="http://schemas.microsoft.com/office/drawing/2010/main">
+        <mc:Choice Requires="a14">
           <p:sp>
             <p:nvSpPr>
               <p:cNvPr id="154" name="TextBox 153">
@@ -5148,6 +5156,7 @@
                 </a:endParaRPr>
               </a:p>
               <a:p>
+                <a:pPr/>
                 <a14:m>
                   <m:oMathPara xmlns:m="http://schemas.openxmlformats.org/officeDocument/2006/math">
                     <m:oMathParaPr>
@@ -5218,7 +5227,7 @@
             </p:txBody>
           </p:sp>
         </mc:Choice>
-        <mc:Fallback>
+        <mc:Fallback xmlns="">
           <p:sp>
             <p:nvSpPr>
               <p:cNvPr id="154" name="TextBox 153">
@@ -5278,7 +5287,7 @@
         <p:spPr>
           <a:xfrm>
             <a:off x="7590563" y="3175790"/>
-            <a:ext cx="1069908" cy="400110"/>
+            <a:ext cx="1213281" cy="400110"/>
           </a:xfrm>
           <a:prstGeom prst="rect">
             <a:avLst/>
@@ -5304,7 +5313,7 @@
                   </a:schemeClr>
                 </a:solidFill>
               </a:rPr>
-              <a:t>Parallel</a:t>
+              <a:t>Cascade</a:t>
             </a:r>
           </a:p>
         </p:txBody>
@@ -5435,7 +5444,7 @@
         <p:spPr>
           <a:xfrm>
             <a:off x="7486223" y="4929579"/>
-            <a:ext cx="1213281" cy="400110"/>
+            <a:ext cx="1069908" cy="400110"/>
           </a:xfrm>
           <a:prstGeom prst="rect">
             <a:avLst/>
@@ -5456,7 +5465,7 @@
                   </a:schemeClr>
                 </a:solidFill>
               </a:rPr>
-              <a:t>Cascade</a:t>
+              <a:t>Parallel</a:t>
             </a:r>
             <a:endParaRPr lang="en-US" b="1" dirty="0">
               <a:solidFill>
